--- a/BDK10-4.pptx
+++ b/BDK10-4.pptx
@@ -569,7 +569,7 @@
               </a14:hiddenFill>
             </a:ext>
             <a:ext uri="{FAA26D3D-D897-4be2-8F04-BA451C77F1D7}">
-              <ma14:placeholderFlag xmlns:ma14="http://schemas.microsoft.com/office/mac/drawingml/2011/main" xmlns="" val="1"/>
+              <ma14:placeholderFlag xmlns="" xmlns:ma14="http://schemas.microsoft.com/office/mac/drawingml/2011/main" val="1"/>
             </a:ext>
           </a:extLst>
         </p:spPr>
@@ -1097,7 +1097,7 @@
               </a14:hiddenLine>
             </a:ext>
             <a:ext uri="{FAA26D3D-D897-4be2-8F04-BA451C77F1D7}">
-              <ma14:placeholderFlag xmlns:ma14="http://schemas.microsoft.com/office/mac/drawingml/2011/main" xmlns="" val="1"/>
+              <ma14:placeholderFlag xmlns="" xmlns:ma14="http://schemas.microsoft.com/office/mac/drawingml/2011/main" val="1"/>
             </a:ext>
           </a:extLst>
         </p:spPr>
@@ -1345,7 +1345,7 @@
               </a14:hiddenLine>
             </a:ext>
             <a:ext uri="{FAA26D3D-D897-4be2-8F04-BA451C77F1D7}">
-              <ma14:placeholderFlag xmlns:ma14="http://schemas.microsoft.com/office/mac/drawingml/2011/main" xmlns="" val="1"/>
+              <ma14:placeholderFlag xmlns="" xmlns:ma14="http://schemas.microsoft.com/office/mac/drawingml/2011/main" val="1"/>
             </a:ext>
           </a:extLst>
         </p:spPr>
@@ -1593,7 +1593,7 @@
               </a14:hiddenLine>
             </a:ext>
             <a:ext uri="{FAA26D3D-D897-4be2-8F04-BA451C77F1D7}">
-              <ma14:placeholderFlag xmlns:ma14="http://schemas.microsoft.com/office/mac/drawingml/2011/main" xmlns="" val="1"/>
+              <ma14:placeholderFlag xmlns="" xmlns:ma14="http://schemas.microsoft.com/office/mac/drawingml/2011/main" val="1"/>
             </a:ext>
           </a:extLst>
         </p:spPr>
@@ -1841,7 +1841,7 @@
               </a14:hiddenLine>
             </a:ext>
             <a:ext uri="{FAA26D3D-D897-4be2-8F04-BA451C77F1D7}">
-              <ma14:placeholderFlag xmlns:ma14="http://schemas.microsoft.com/office/mac/drawingml/2011/main" xmlns="" val="1"/>
+              <ma14:placeholderFlag xmlns="" xmlns:ma14="http://schemas.microsoft.com/office/mac/drawingml/2011/main" val="1"/>
             </a:ext>
           </a:extLst>
         </p:spPr>
@@ -2089,7 +2089,7 @@
               </a14:hiddenLine>
             </a:ext>
             <a:ext uri="{FAA26D3D-D897-4be2-8F04-BA451C77F1D7}">
-              <ma14:placeholderFlag xmlns:ma14="http://schemas.microsoft.com/office/mac/drawingml/2011/main" xmlns="" val="1"/>
+              <ma14:placeholderFlag xmlns="" xmlns:ma14="http://schemas.microsoft.com/office/mac/drawingml/2011/main" val="1"/>
             </a:ext>
           </a:extLst>
         </p:spPr>
@@ -2337,7 +2337,7 @@
               </a14:hiddenLine>
             </a:ext>
             <a:ext uri="{FAA26D3D-D897-4be2-8F04-BA451C77F1D7}">
-              <ma14:placeholderFlag xmlns:ma14="http://schemas.microsoft.com/office/mac/drawingml/2011/main" xmlns="" val="1"/>
+              <ma14:placeholderFlag xmlns="" xmlns:ma14="http://schemas.microsoft.com/office/mac/drawingml/2011/main" val="1"/>
             </a:ext>
           </a:extLst>
         </p:spPr>
@@ -2585,7 +2585,7 @@
               </a14:hiddenLine>
             </a:ext>
             <a:ext uri="{FAA26D3D-D897-4be2-8F04-BA451C77F1D7}">
-              <ma14:placeholderFlag xmlns:ma14="http://schemas.microsoft.com/office/mac/drawingml/2011/main" xmlns="" val="1"/>
+              <ma14:placeholderFlag xmlns="" xmlns:ma14="http://schemas.microsoft.com/office/mac/drawingml/2011/main" val="1"/>
             </a:ext>
           </a:extLst>
         </p:spPr>
@@ -2833,7 +2833,7 @@
               </a14:hiddenLine>
             </a:ext>
             <a:ext uri="{FAA26D3D-D897-4be2-8F04-BA451C77F1D7}">
-              <ma14:placeholderFlag xmlns:ma14="http://schemas.microsoft.com/office/mac/drawingml/2011/main" xmlns="" val="1"/>
+              <ma14:placeholderFlag xmlns="" xmlns:ma14="http://schemas.microsoft.com/office/mac/drawingml/2011/main" val="1"/>
             </a:ext>
           </a:extLst>
         </p:spPr>
@@ -3081,7 +3081,7 @@
               </a14:hiddenLine>
             </a:ext>
             <a:ext uri="{FAA26D3D-D897-4be2-8F04-BA451C77F1D7}">
-              <ma14:placeholderFlag xmlns:ma14="http://schemas.microsoft.com/office/mac/drawingml/2011/main" xmlns="" val="1"/>
+              <ma14:placeholderFlag xmlns="" xmlns:ma14="http://schemas.microsoft.com/office/mac/drawingml/2011/main" val="1"/>
             </a:ext>
           </a:extLst>
         </p:spPr>
@@ -3329,7 +3329,7 @@
               </a14:hiddenLine>
             </a:ext>
             <a:ext uri="{FAA26D3D-D897-4be2-8F04-BA451C77F1D7}">
-              <ma14:placeholderFlag xmlns:ma14="http://schemas.microsoft.com/office/mac/drawingml/2011/main" xmlns="" val="1"/>
+              <ma14:placeholderFlag xmlns="" xmlns:ma14="http://schemas.microsoft.com/office/mac/drawingml/2011/main" val="1"/>
             </a:ext>
           </a:extLst>
         </p:spPr>
@@ -3577,7 +3577,7 @@
               </a14:hiddenLine>
             </a:ext>
             <a:ext uri="{FAA26D3D-D897-4be2-8F04-BA451C77F1D7}">
-              <ma14:placeholderFlag xmlns:ma14="http://schemas.microsoft.com/office/mac/drawingml/2011/main" xmlns="" val="1"/>
+              <ma14:placeholderFlag xmlns="" xmlns:ma14="http://schemas.microsoft.com/office/mac/drawingml/2011/main" val="1"/>
             </a:ext>
           </a:extLst>
         </p:spPr>
@@ -3825,7 +3825,7 @@
               </a14:hiddenLine>
             </a:ext>
             <a:ext uri="{FAA26D3D-D897-4be2-8F04-BA451C77F1D7}">
-              <ma14:placeholderFlag xmlns:ma14="http://schemas.microsoft.com/office/mac/drawingml/2011/main" xmlns="" val="1"/>
+              <ma14:placeholderFlag xmlns="" xmlns:ma14="http://schemas.microsoft.com/office/mac/drawingml/2011/main" val="1"/>
             </a:ext>
           </a:extLst>
         </p:spPr>
@@ -4073,7 +4073,7 @@
               </a14:hiddenLine>
             </a:ext>
             <a:ext uri="{FAA26D3D-D897-4be2-8F04-BA451C77F1D7}">
-              <ma14:placeholderFlag xmlns:ma14="http://schemas.microsoft.com/office/mac/drawingml/2011/main" xmlns="" val="1"/>
+              <ma14:placeholderFlag xmlns="" xmlns:ma14="http://schemas.microsoft.com/office/mac/drawingml/2011/main" val="1"/>
             </a:ext>
           </a:extLst>
         </p:spPr>
@@ -4321,7 +4321,7 @@
               </a14:hiddenLine>
             </a:ext>
             <a:ext uri="{FAA26D3D-D897-4be2-8F04-BA451C77F1D7}">
-              <ma14:placeholderFlag xmlns:ma14="http://schemas.microsoft.com/office/mac/drawingml/2011/main" xmlns="" val="1"/>
+              <ma14:placeholderFlag xmlns="" xmlns:ma14="http://schemas.microsoft.com/office/mac/drawingml/2011/main" val="1"/>
             </a:ext>
           </a:extLst>
         </p:spPr>
@@ -24293,7 +24293,6 @@
               <a:rPr lang="en-US" sz="1700" dirty="0" smtClean="0"/>
               <a:t>Retrieval</a:t>
             </a:r>
-            <a:endParaRPr lang="en-US" sz="1700" dirty="0" smtClean="0"/>
           </a:p>
           <a:p>
             <a:r>
@@ -26935,11 +26934,6 @@
             </a:r>
           </a:p>
           <a:p>
-            <a:pPr lvl="1" eaLnBrk="1" hangingPunct="1">
-              <a:lnSpc>
-                <a:spcPct val="90000"/>
-              </a:lnSpc>
-            </a:pPr>
             <a:r>
               <a:rPr lang="en-US" dirty="0" smtClean="0">
                 <a:ea typeface="Arial Unicode MS" panose="020B0604020202020204" pitchFamily="34" charset="-128"/>
@@ -27129,10 +27123,14 @@
             </a:r>
           </a:p>
           <a:p>
-            <a:pPr lvl="1" eaLnBrk="1" hangingPunct="1"/>
+            <a:pPr lvl="1"/>
+            <a:r>
+              <a:rPr lang="en-US" dirty="0" smtClean="0"/>
+              <a:t>Original Yahoo</a:t>
+            </a:r>
             <a:r>
               <a:rPr lang="en-US" dirty="0"/>
-              <a:t>Yahoo! searching searches hierarchy terms, not Web page text</a:t>
+              <a:t>! searching searches hierarchy terms, not Web page text</a:t>
             </a:r>
           </a:p>
           <a:p>
@@ -30329,7 +30327,6 @@
   <p:tag name="ARTICULATE_META_COURSE_VERSION_SET" val="True"/>
   <p:tag name="ARTICULATE_REFERENCE_ID" val="5f756628-5e03-4a82-9bd5-d594b59b3ccc"/>
   <p:tag name="ARTICULATE_SLIDE_COUNT" val="15"/>
-  <p:tag name="ARTICULATE_PROJECT_OPEN" val="1"/>
   <p:tag name="ARTICULATE_REFERENCE_TYPE_1" val="1"/>
   <p:tag name="ARTICULATE_REFERENCE_1" val="C:\wamp\www\Box Sync\BD2K\OER Content\BDK12\Staged\List of Resources for Indexing Pt.2.pdf"/>
   <p:tag name="ARTICULATE_REFERENCE_TITLE_1" val="List of Resources for Indexing Pt.2"/>
@@ -30343,6 +30340,7 @@
   <p:tag name="ARTICULATE_USED_PAGE_SIZE" val="1"/>
   <p:tag name="ARTICULATE_META_COURSE_ID" val="5bLeD09s88I_course_id"/>
   <p:tag name="ARTICULATE_META_NAME_SET" val="True"/>
+  <p:tag name="ARTICULATE_PROJECT_OPEN" val="0"/>
 </p:tagLst>
 </file>
 
@@ -30608,6 +30606,7 @@
   <p:tag name="ARTICULATE_PLAYER_CONTROL_RESOURCES" val="False"/>
   <p:tag name="ELAPSEDTIME" val="10.082"/>
   <p:tag name="ARTICULATE_USED_LAYOUT" val="1"/>
+  <p:tag name="ARTICULATE_SLIDE_THUMBNAIL_REFRESH" val="1"/>
 </p:tagLst>
 </file>
 
@@ -30627,6 +30626,7 @@
   <p:tag name="ARTICULATE_PLAYER_CONTROL_NEXT" val="True"/>
   <p:tag name="ARTICULATE_PLAYER_CONTROL_RESOURCES" val="False"/>
   <p:tag name="ARTICULATE_USED_LAYOUT" val="2"/>
+  <p:tag name="ARTICULATE_SLIDE_THUMBNAIL_REFRESH" val="1"/>
 </p:tagLst>
 </file>
 
@@ -30652,6 +30652,7 @@
   <p:tag name="ARTICULATE_PLAYER_CONTROL_NEXT" val="True"/>
   <p:tag name="ARTICULATE_PLAYER_CONTROL_RESOURCES" val="False"/>
   <p:tag name="ARTICULATE_USED_LAYOUT" val="2"/>
+  <p:tag name="ARTICULATE_SLIDE_THUMBNAIL_REFRESH" val="1"/>
 </p:tagLst>
 </file>
 
@@ -30671,6 +30672,7 @@
   <p:tag name="ARTICULATE_PLAYER_CONTROL_NEXT" val="True"/>
   <p:tag name="ARTICULATE_PLAYER_CONTROL_RESOURCES" val="False"/>
   <p:tag name="ARTICULATE_USED_LAYOUT" val="2"/>
+  <p:tag name="ARTICULATE_SLIDE_THUMBNAIL_REFRESH" val="1"/>
 </p:tagLst>
 </file>
 
@@ -30690,6 +30692,7 @@
   <p:tag name="ARTICULATE_PLAYER_CONTROL_NEXT" val="True"/>
   <p:tag name="ARTICULATE_PLAYER_CONTROL_RESOURCES" val="False"/>
   <p:tag name="ARTICULATE_USED_LAYOUT" val="2"/>
+  <p:tag name="ARTICULATE_SLIDE_THUMBNAIL_REFRESH" val="1"/>
 </p:tagLst>
 </file>
 
@@ -30709,6 +30712,7 @@
   <p:tag name="ARTICULATE_PLAYER_CONTROL_NEXT" val="True"/>
   <p:tag name="ARTICULATE_PLAYER_CONTROL_RESOURCES" val="False"/>
   <p:tag name="ARTICULATE_USED_LAYOUT" val="2"/>
+  <p:tag name="ARTICULATE_SLIDE_THUMBNAIL_REFRESH" val="1"/>
 </p:tagLst>
 </file>
 
@@ -30728,6 +30732,7 @@
   <p:tag name="ARTICULATE_PLAYER_CONTROL_NEXT" val="True"/>
   <p:tag name="ARTICULATE_PLAYER_CONTROL_RESOURCES" val="False"/>
   <p:tag name="ARTICULATE_USED_LAYOUT" val="23"/>
+  <p:tag name="ARTICULATE_SLIDE_THUMBNAIL_REFRESH" val="1"/>
 </p:tagLst>
 </file>
 
@@ -30747,6 +30752,7 @@
   <p:tag name="ARTICULATE_PLAYER_CONTROL_NEXT" val="True"/>
   <p:tag name="ARTICULATE_PLAYER_CONTROL_RESOURCES" val="False"/>
   <p:tag name="ARTICULATE_USED_LAYOUT" val="2"/>
+  <p:tag name="ARTICULATE_SLIDE_THUMBNAIL_REFRESH" val="1"/>
 </p:tagLst>
 </file>
 
@@ -30766,6 +30772,7 @@
   <p:tag name="ARTICULATE_PLAYER_CONTROL_NEXT" val="True"/>
   <p:tag name="ARTICULATE_PLAYER_CONTROL_RESOURCES" val="False"/>
   <p:tag name="ARTICULATE_USED_LAYOUT" val="2"/>
+  <p:tag name="ARTICULATE_SLIDE_THUMBNAIL_REFRESH" val="1"/>
 </p:tagLst>
 </file>
 
@@ -30785,6 +30792,7 @@
   <p:tag name="ARTICULATE_PLAYER_CONTROL_NEXT" val="True"/>
   <p:tag name="ARTICULATE_PLAYER_CONTROL_RESOURCES" val="False"/>
   <p:tag name="ARTICULATE_USED_LAYOUT" val="2"/>
+  <p:tag name="ARTICULATE_SLIDE_THUMBNAIL_REFRESH" val="1"/>
 </p:tagLst>
 </file>
 
@@ -30804,6 +30812,7 @@
   <p:tag name="ARTICULATE_PLAYER_CONTROL_NEXT" val="True"/>
   <p:tag name="ARTICULATE_PLAYER_CONTROL_RESOURCES" val="False"/>
   <p:tag name="ARTICULATE_USED_LAYOUT" val="2"/>
+  <p:tag name="ARTICULATE_SLIDE_THUMBNAIL_REFRESH" val="1"/>
 </p:tagLst>
 </file>
 
@@ -30823,6 +30832,7 @@
   <p:tag name="ARTICULATE_PLAYER_CONTROL_NEXT" val="True"/>
   <p:tag name="ARTICULATE_PLAYER_CONTROL_RESOURCES" val="False"/>
   <p:tag name="ARTICULATE_USED_LAYOUT" val="2"/>
+  <p:tag name="ARTICULATE_SLIDE_THUMBNAIL_REFRESH" val="1"/>
 </p:tagLst>
 </file>
 
@@ -30848,6 +30858,7 @@
   <p:tag name="ARTICULATE_PLAYER_CONTROL_NEXT" val="True"/>
   <p:tag name="ARTICULATE_PLAYER_CONTROL_RESOURCES" val="False"/>
   <p:tag name="ARTICULATE_USED_LAYOUT" val="2"/>
+  <p:tag name="ARTICULATE_SLIDE_THUMBNAIL_REFRESH" val="1"/>
 </p:tagLst>
 </file>
 
@@ -30867,6 +30878,7 @@
   <p:tag name="ARTICULATE_PLAYER_CONTROL_NEXT" val="True"/>
   <p:tag name="ARTICULATE_PLAYER_CONTROL_RESOURCES" val="False"/>
   <p:tag name="ARTICULATE_USED_LAYOUT" val="2"/>
+  <p:tag name="ARTICULATE_SLIDE_THUMBNAIL_REFRESH" val="1"/>
 </p:tagLst>
 </file>
 
